--- a/นิเทศก์/Ready/Poc3_ปิรามิดประชากร.pptx
+++ b/นิเทศก์/Ready/Poc3_ปิรามิดประชากร.pptx
@@ -7,6 +7,8 @@
   <p:sldIdLst>
     <p:sldId id="269" r:id="rId2"/>
     <p:sldId id="266" r:id="rId3"/>
+    <p:sldId id="270" r:id="rId4"/>
+    <p:sldId id="271" r:id="rId5"/>
   </p:sldIdLst>
   <p:sldSz cx="12192000" cy="6858000"/>
   <p:notesSz cx="6858000" cy="9144000"/>
@@ -105,6 +107,11 @@
       </a:defRPr>
     </a:lvl9pPr>
   </p:defaultTextStyle>
+  <p:extLst>
+    <p:ext uri="{EFAFB233-063F-42B5-8137-9DF3F51BA10A}">
+      <p15:sldGuideLst xmlns:p15="http://schemas.microsoft.com/office/powerpoint/2012/main"/>
+    </p:ext>
+  </p:extLst>
 </p:presentation>
 </file>
 
@@ -628,7 +635,7 @@
           <a:p>
             <a:fld id="{23C5A5DD-0BC9-4649-9053-F42BCE3E4226}" type="datetimeFigureOut">
               <a:rPr lang="en-US" smtClean="0"/>
-              <a:t>2/25/2019</a:t>
+              <a:t>2/26/2019</a:t>
             </a:fld>
             <a:endParaRPr lang="en-US"/>
           </a:p>
@@ -826,7 +833,7 @@
           <a:p>
             <a:fld id="{23C5A5DD-0BC9-4649-9053-F42BCE3E4226}" type="datetimeFigureOut">
               <a:rPr lang="en-US" smtClean="0"/>
-              <a:t>2/25/2019</a:t>
+              <a:t>2/26/2019</a:t>
             </a:fld>
             <a:endParaRPr lang="en-US"/>
           </a:p>
@@ -1034,7 +1041,7 @@
           <a:p>
             <a:fld id="{23C5A5DD-0BC9-4649-9053-F42BCE3E4226}" type="datetimeFigureOut">
               <a:rPr lang="en-US" smtClean="0"/>
-              <a:t>2/25/2019</a:t>
+              <a:t>2/26/2019</a:t>
             </a:fld>
             <a:endParaRPr lang="en-US"/>
           </a:p>
@@ -1232,7 +1239,7 @@
           <a:p>
             <a:fld id="{23C5A5DD-0BC9-4649-9053-F42BCE3E4226}" type="datetimeFigureOut">
               <a:rPr lang="en-US" smtClean="0"/>
-              <a:t>2/25/2019</a:t>
+              <a:t>2/26/2019</a:t>
             </a:fld>
             <a:endParaRPr lang="en-US"/>
           </a:p>
@@ -1507,7 +1514,7 @@
           <a:p>
             <a:fld id="{23C5A5DD-0BC9-4649-9053-F42BCE3E4226}" type="datetimeFigureOut">
               <a:rPr lang="en-US" smtClean="0"/>
-              <a:t>2/25/2019</a:t>
+              <a:t>2/26/2019</a:t>
             </a:fld>
             <a:endParaRPr lang="en-US"/>
           </a:p>
@@ -1772,7 +1779,7 @@
           <a:p>
             <a:fld id="{23C5A5DD-0BC9-4649-9053-F42BCE3E4226}" type="datetimeFigureOut">
               <a:rPr lang="en-US" smtClean="0"/>
-              <a:t>2/25/2019</a:t>
+              <a:t>2/26/2019</a:t>
             </a:fld>
             <a:endParaRPr lang="en-US"/>
           </a:p>
@@ -2184,7 +2191,7 @@
           <a:p>
             <a:fld id="{23C5A5DD-0BC9-4649-9053-F42BCE3E4226}" type="datetimeFigureOut">
               <a:rPr lang="en-US" smtClean="0"/>
-              <a:t>2/25/2019</a:t>
+              <a:t>2/26/2019</a:t>
             </a:fld>
             <a:endParaRPr lang="en-US"/>
           </a:p>
@@ -2325,7 +2332,7 @@
           <a:p>
             <a:fld id="{23C5A5DD-0BC9-4649-9053-F42BCE3E4226}" type="datetimeFigureOut">
               <a:rPr lang="en-US" smtClean="0"/>
-              <a:t>2/25/2019</a:t>
+              <a:t>2/26/2019</a:t>
             </a:fld>
             <a:endParaRPr lang="en-US"/>
           </a:p>
@@ -2438,7 +2445,7 @@
           <a:p>
             <a:fld id="{23C5A5DD-0BC9-4649-9053-F42BCE3E4226}" type="datetimeFigureOut">
               <a:rPr lang="en-US" smtClean="0"/>
-              <a:t>2/25/2019</a:t>
+              <a:t>2/26/2019</a:t>
             </a:fld>
             <a:endParaRPr lang="en-US"/>
           </a:p>
@@ -2749,7 +2756,7 @@
           <a:p>
             <a:fld id="{23C5A5DD-0BC9-4649-9053-F42BCE3E4226}" type="datetimeFigureOut">
               <a:rPr lang="en-US" smtClean="0"/>
-              <a:t>2/25/2019</a:t>
+              <a:t>2/26/2019</a:t>
             </a:fld>
             <a:endParaRPr lang="en-US"/>
           </a:p>
@@ -3037,7 +3044,7 @@
           <a:p>
             <a:fld id="{23C5A5DD-0BC9-4649-9053-F42BCE3E4226}" type="datetimeFigureOut">
               <a:rPr lang="en-US" smtClean="0"/>
-              <a:t>2/25/2019</a:t>
+              <a:t>2/26/2019</a:t>
             </a:fld>
             <a:endParaRPr lang="en-US"/>
           </a:p>
@@ -3278,7 +3285,7 @@
           <a:p>
             <a:fld id="{23C5A5DD-0BC9-4649-9053-F42BCE3E4226}" type="datetimeFigureOut">
               <a:rPr lang="en-US" smtClean="0"/>
-              <a:t>2/25/2019</a:t>
+              <a:t>2/26/2019</a:t>
             </a:fld>
             <a:endParaRPr lang="en-US"/>
           </a:p>
@@ -3695,44 +3702,6 @@
           <a:chExt cx="0" cy="0"/>
         </a:xfrm>
       </p:grpSpPr>
-      <p:pic>
-        <p:nvPicPr>
-          <p:cNvPr id="67" name="Picture 66">
-            <a:extLst>
-              <a:ext uri="{FF2B5EF4-FFF2-40B4-BE49-F238E27FC236}">
-                <a16:creationId xmlns:a16="http://schemas.microsoft.com/office/drawing/2014/main" id="{038BF650-73F3-40F3-B7B1-AF32E28A863F}"/>
-              </a:ext>
-            </a:extLst>
-          </p:cNvPr>
-          <p:cNvPicPr/>
-          <p:nvPr/>
-        </p:nvPicPr>
-        <p:blipFill>
-          <a:blip r:embed="rId2"/>
-          <a:srcRect l="51264" t="16667" b="21795"/>
-          <a:stretch>
-            <a:fillRect/>
-          </a:stretch>
-        </p:blipFill>
-        <p:spPr bwMode="auto">
-          <a:xfrm>
-            <a:off x="1075779" y="1711907"/>
-            <a:ext cx="3972082" cy="4253451"/>
-          </a:xfrm>
-          <a:prstGeom prst="rect">
-            <a:avLst/>
-          </a:prstGeom>
-          <a:noFill/>
-          <a:ln w="9525">
-            <a:solidFill>
-              <a:schemeClr val="bg2"/>
-            </a:solidFill>
-            <a:miter lim="800000"/>
-            <a:headEnd/>
-            <a:tailEnd/>
-          </a:ln>
-        </p:spPr>
-      </p:pic>
       <p:sp>
         <p:nvSpPr>
           <p:cNvPr id="29" name="Subtitle 2">
@@ -3758,13 +3727,13 @@
           <a:gradFill>
             <a:gsLst>
               <a:gs pos="0">
-                <a:srgbClr val="00B050"/>
+                <a:srgbClr val="92FF70"/>
               </a:gs>
               <a:gs pos="50000">
-                <a:srgbClr val="92D050"/>
+                <a:srgbClr val="C2FFB0"/>
               </a:gs>
               <a:gs pos="100000">
-                <a:srgbClr val="00B050"/>
+                <a:srgbClr val="93FF73"/>
               </a:gs>
             </a:gsLst>
           </a:gradFill>
@@ -4008,7 +3977,7 @@
           <p:nvPr/>
         </p:nvPicPr>
         <p:blipFill>
-          <a:blip r:embed="rId3"/>
+          <a:blip r:embed="rId2"/>
           <a:stretch>
             <a:fillRect/>
           </a:stretch>
@@ -4054,7 +4023,7 @@
             <a:r>
               <a:rPr lang="th-TH" sz="4400" b="1" dirty="0">
                 <a:solidFill>
-                  <a:schemeClr val="bg1"/>
+                  <a:srgbClr val="0B1009"/>
                 </a:solidFill>
                 <a:effectLst>
                   <a:outerShdw blurRad="38100" dist="38100" dir="2700000" algn="tl">
@@ -4070,7 +4039,7 @@
             </a:r>
             <a:endParaRPr lang="en-US" sz="4400" b="1" dirty="0">
               <a:solidFill>
-                <a:schemeClr val="bg1"/>
+                <a:srgbClr val="0B1009"/>
               </a:solidFill>
               <a:effectLst>
                 <a:outerShdw blurRad="38100" dist="38100" dir="2700000" algn="tl">
@@ -4085,221 +4054,6 @@
           </a:p>
         </p:txBody>
       </p:sp>
-      <p:pic>
-        <p:nvPicPr>
-          <p:cNvPr id="65" name="Picture 64">
-            <a:extLst>
-              <a:ext uri="{FF2B5EF4-FFF2-40B4-BE49-F238E27FC236}">
-                <a16:creationId xmlns:a16="http://schemas.microsoft.com/office/drawing/2014/main" id="{20ED4651-9E06-47FC-B515-56A4728B73A5}"/>
-              </a:ext>
-            </a:extLst>
-          </p:cNvPr>
-          <p:cNvPicPr>
-            <a:picLocks noChangeAspect="1"/>
-          </p:cNvPicPr>
-          <p:nvPr/>
-        </p:nvPicPr>
-        <p:blipFill>
-          <a:blip r:embed="rId4">
-            <a:extLst>
-              <a:ext uri="{28A0092B-C50C-407E-A947-70E740481C1C}">
-                <a14:useLocalDpi xmlns:a14="http://schemas.microsoft.com/office/drawing/2010/main" val="0"/>
-              </a:ext>
-            </a:extLst>
-          </a:blip>
-          <a:stretch>
-            <a:fillRect/>
-          </a:stretch>
-        </p:blipFill>
-        <p:spPr>
-          <a:xfrm>
-            <a:off x="1075776" y="1144617"/>
-            <a:ext cx="3972081" cy="929298"/>
-          </a:xfrm>
-          <a:prstGeom prst="rect">
-            <a:avLst/>
-          </a:prstGeom>
-        </p:spPr>
-      </p:pic>
-      <p:sp>
-        <p:nvSpPr>
-          <p:cNvPr id="66" name="TextBox 65">
-            <a:extLst>
-              <a:ext uri="{FF2B5EF4-FFF2-40B4-BE49-F238E27FC236}">
-                <a16:creationId xmlns:a16="http://schemas.microsoft.com/office/drawing/2014/main" id="{8BAEE089-9E3A-4970-90A9-9C819E44F091}"/>
-              </a:ext>
-            </a:extLst>
-          </p:cNvPr>
-          <p:cNvSpPr txBox="1"/>
-          <p:nvPr/>
-        </p:nvSpPr>
-        <p:spPr>
-          <a:xfrm>
-            <a:off x="1778822" y="1259716"/>
-            <a:ext cx="2254143" cy="646331"/>
-          </a:xfrm>
-          <a:prstGeom prst="rect">
-            <a:avLst/>
-          </a:prstGeom>
-          <a:noFill/>
-        </p:spPr>
-        <p:txBody>
-          <a:bodyPr wrap="none" rtlCol="0">
-            <a:spAutoFit/>
-          </a:bodyPr>
-          <a:lstStyle/>
-          <a:p>
-            <a:r>
-              <a:rPr lang="th-TH" sz="3600" dirty="0">
-                <a:solidFill>
-                  <a:schemeClr val="bg1"/>
-                </a:solidFill>
-                <a:effectLst>
-                  <a:outerShdw blurRad="38100" dist="38100" dir="2700000" algn="tl">
-                    <a:srgbClr val="000000">
-                      <a:alpha val="43137"/>
-                    </a:srgbClr>
-                  </a:outerShdw>
-                </a:effectLst>
-                <a:latin typeface="Angsana New" panose="02020603050405020304" pitchFamily="18" charset="-34"/>
-                <a:cs typeface="Angsana New" panose="02020603050405020304" pitchFamily="18" charset="-34"/>
-              </a:rPr>
-              <a:t>ปิรามิดประชากร</a:t>
-            </a:r>
-            <a:endParaRPr lang="en-US" sz="3600" dirty="0">
-              <a:solidFill>
-                <a:schemeClr val="bg1"/>
-              </a:solidFill>
-              <a:effectLst>
-                <a:outerShdw blurRad="38100" dist="38100" dir="2700000" algn="tl">
-                  <a:srgbClr val="000000">
-                    <a:alpha val="43137"/>
-                  </a:srgbClr>
-                </a:outerShdw>
-              </a:effectLst>
-              <a:latin typeface="Angsana New" panose="02020603050405020304" pitchFamily="18" charset="-34"/>
-              <a:cs typeface="Angsana New" panose="02020603050405020304" pitchFamily="18" charset="-34"/>
-            </a:endParaRPr>
-          </a:p>
-        </p:txBody>
-      </p:sp>
-      <p:sp>
-        <p:nvSpPr>
-          <p:cNvPr id="68" name="Rectangle 67">
-            <a:extLst>
-              <a:ext uri="{FF2B5EF4-FFF2-40B4-BE49-F238E27FC236}">
-                <a16:creationId xmlns:a16="http://schemas.microsoft.com/office/drawing/2014/main" id="{AF2E411E-E896-4EF4-9799-CAF8CC724A0B}"/>
-              </a:ext>
-            </a:extLst>
-          </p:cNvPr>
-          <p:cNvSpPr/>
-          <p:nvPr/>
-        </p:nvSpPr>
-        <p:spPr>
-          <a:xfrm>
-            <a:off x="1057115" y="5932932"/>
-            <a:ext cx="3972082" cy="307328"/>
-          </a:xfrm>
-          <a:prstGeom prst="rect">
-            <a:avLst/>
-          </a:prstGeom>
-          <a:solidFill>
-            <a:srgbClr val="FF0000"/>
-          </a:solidFill>
-          <a:ln>
-            <a:noFill/>
-          </a:ln>
-        </p:spPr>
-        <p:style>
-          <a:lnRef idx="2">
-            <a:schemeClr val="accent1">
-              <a:shade val="50000"/>
-            </a:schemeClr>
-          </a:lnRef>
-          <a:fillRef idx="1">
-            <a:schemeClr val="accent1"/>
-          </a:fillRef>
-          <a:effectRef idx="0">
-            <a:schemeClr val="accent1"/>
-          </a:effectRef>
-          <a:fontRef idx="minor">
-            <a:schemeClr val="lt1"/>
-          </a:fontRef>
-        </p:style>
-        <p:txBody>
-          <a:bodyPr rtlCol="0" anchor="ctr"/>
-          <a:lstStyle/>
-          <a:p>
-            <a:pPr algn="ctr"/>
-            <a:r>
-              <a:rPr lang="th-TH" b="1" dirty="0">
-                <a:solidFill>
-                  <a:schemeClr val="bg1"/>
-                </a:solidFill>
-                <a:latin typeface="Tahoma" pitchFamily="34" charset="0"/>
-                <a:ea typeface="Tahoma" pitchFamily="34" charset="0"/>
-                <a:cs typeface="+mj-cs"/>
-              </a:rPr>
-              <a:t>ประชากร    ชาย </a:t>
-            </a:r>
-            <a:r>
-              <a:rPr lang="en-US" b="1" dirty="0">
-                <a:solidFill>
-                  <a:schemeClr val="bg1"/>
-                </a:solidFill>
-                <a:latin typeface="Angsana New" panose="02020603050405020304" pitchFamily="18" charset="-34"/>
-                <a:ea typeface="Tahoma" pitchFamily="34" charset="0"/>
-                <a:cs typeface="Angsana New" panose="02020603050405020304" pitchFamily="18" charset="-34"/>
-              </a:rPr>
-              <a:t>252,415</a:t>
-            </a:r>
-            <a:r>
-              <a:rPr lang="en-US" b="1" dirty="0">
-                <a:solidFill>
-                  <a:schemeClr val="bg1"/>
-                </a:solidFill>
-                <a:latin typeface="Tahoma" pitchFamily="34" charset="0"/>
-                <a:ea typeface="Tahoma" pitchFamily="34" charset="0"/>
-                <a:cs typeface="+mj-cs"/>
-              </a:rPr>
-              <a:t> </a:t>
-            </a:r>
-            <a:r>
-              <a:rPr lang="th-TH" b="1" dirty="0">
-                <a:solidFill>
-                  <a:schemeClr val="bg1"/>
-                </a:solidFill>
-                <a:latin typeface="Tahoma" pitchFamily="34" charset="0"/>
-                <a:ea typeface="Tahoma" pitchFamily="34" charset="0"/>
-                <a:cs typeface="+mj-cs"/>
-              </a:rPr>
-              <a:t>คน  หญิง </a:t>
-            </a:r>
-            <a:r>
-              <a:rPr lang="en-US" b="1" dirty="0">
-                <a:solidFill>
-                  <a:schemeClr val="bg1"/>
-                </a:solidFill>
-                <a:latin typeface="Angsana New" panose="02020603050405020304" pitchFamily="18" charset="-34"/>
-                <a:ea typeface="Tahoma" pitchFamily="34" charset="0"/>
-                <a:cs typeface="Angsana New" panose="02020603050405020304" pitchFamily="18" charset="-34"/>
-              </a:rPr>
-              <a:t>257,235</a:t>
-            </a:r>
-            <a:r>
-              <a:rPr lang="th-TH" b="1" dirty="0">
-                <a:solidFill>
-                  <a:schemeClr val="bg1"/>
-                </a:solidFill>
-                <a:latin typeface="Tahoma" pitchFamily="34" charset="0"/>
-                <a:ea typeface="Tahoma" pitchFamily="34" charset="0"/>
-                <a:cs typeface="+mj-cs"/>
-              </a:rPr>
-              <a:t> คน  </a:t>
-            </a:r>
-          </a:p>
-        </p:txBody>
-      </p:sp>
       <p:graphicFrame>
         <p:nvGraphicFramePr>
           <p:cNvPr id="69" name="Group 3">
@@ -4315,7 +4069,7 @@
           <p:nvPr>
             <p:extLst>
               <p:ext uri="{D42A27DB-BD31-4B8C-83A1-F6EECF244321}">
-                <p14:modId xmlns:p14="http://schemas.microsoft.com/office/powerpoint/2010/main" val="4017610546"/>
+                <p14:modId xmlns:p14="http://schemas.microsoft.com/office/powerpoint/2010/main" val="2847670997"/>
               </p:ext>
             </p:extLst>
           </p:nvPr>
@@ -4910,7 +4664,7 @@
                       <a:noFill/>
                     </a:lnBlToTr>
                     <a:solidFill>
-                      <a:schemeClr val="bg1"/>
+                      <a:srgbClr val="FCD5B5"/>
                     </a:solidFill>
                   </a:tcPr>
                 </a:tc>
@@ -5208,7 +4962,7 @@
                       <a:noFill/>
                     </a:lnBlToTr>
                     <a:solidFill>
-                      <a:schemeClr val="bg1"/>
+                      <a:srgbClr val="FCD5B5"/>
                     </a:solidFill>
                   </a:tcPr>
                 </a:tc>
@@ -6126,7 +5880,10 @@
             <a:r>
               <a:rPr lang="th-TH" sz="2800" dirty="0">
                 <a:solidFill>
-                  <a:srgbClr val="00BD3F"/>
+                  <a:schemeClr val="tx1">
+                    <a:lumMod val="95000"/>
+                    <a:lumOff val="5000"/>
+                  </a:schemeClr>
                 </a:solidFill>
                 <a:effectLst>
                   <a:outerShdw blurRad="38100" dist="38100" dir="2700000" algn="tl">
@@ -6142,7 +5899,10 @@
             </a:r>
             <a:endParaRPr lang="en-US" sz="2800" dirty="0">
               <a:solidFill>
-                <a:srgbClr val="00BD3F"/>
+                <a:schemeClr val="tx1">
+                  <a:lumMod val="95000"/>
+                  <a:lumOff val="5000"/>
+                </a:schemeClr>
               </a:solidFill>
               <a:effectLst>
                 <a:outerShdw blurRad="38100" dist="38100" dir="2700000" algn="tl">
@@ -6157,110 +5917,384 @@
           </a:p>
         </p:txBody>
       </p:sp>
-      <p:sp>
-        <p:nvSpPr>
-          <p:cNvPr id="72" name="Rectangle 71">
-            <a:extLst>
-              <a:ext uri="{FF2B5EF4-FFF2-40B4-BE49-F238E27FC236}">
-                <a16:creationId xmlns:a16="http://schemas.microsoft.com/office/drawing/2014/main" id="{6E9B830C-CDBB-429A-A816-207287CC7458}"/>
-              </a:ext>
-            </a:extLst>
-          </p:cNvPr>
-          <p:cNvSpPr/>
+      <p:grpSp>
+        <p:nvGrpSpPr>
+          <p:cNvPr id="2" name="Group 1">
+            <a:extLst>
+              <a:ext uri="{FF2B5EF4-FFF2-40B4-BE49-F238E27FC236}">
+                <a16:creationId xmlns:a16="http://schemas.microsoft.com/office/drawing/2014/main" id="{DC202E52-866F-4DE5-A8F0-5D3F5D363687}"/>
+              </a:ext>
+            </a:extLst>
+          </p:cNvPr>
+          <p:cNvGrpSpPr/>
           <p:nvPr/>
-        </p:nvSpPr>
-        <p:spPr>
+        </p:nvGrpSpPr>
+        <p:grpSpPr>
           <a:xfrm>
-            <a:off x="5019864" y="1721238"/>
-            <a:ext cx="111972" cy="4253451"/>
+            <a:off x="1597994" y="1338991"/>
+            <a:ext cx="4158702" cy="5095643"/>
+            <a:chOff x="973134" y="1144617"/>
+            <a:chExt cx="4158702" cy="5095643"/>
           </a:xfrm>
-          <a:prstGeom prst="rect">
-            <a:avLst/>
-          </a:prstGeom>
-          <a:solidFill>
-            <a:schemeClr val="bg1"/>
-          </a:solidFill>
-          <a:ln>
+        </p:grpSpPr>
+        <p:pic>
+          <p:nvPicPr>
+            <p:cNvPr id="67" name="Picture 66">
+              <a:extLst>
+                <a:ext uri="{FF2B5EF4-FFF2-40B4-BE49-F238E27FC236}">
+                  <a16:creationId xmlns:a16="http://schemas.microsoft.com/office/drawing/2014/main" id="{038BF650-73F3-40F3-B7B1-AF32E28A863F}"/>
+                </a:ext>
+              </a:extLst>
+            </p:cNvPr>
+            <p:cNvPicPr/>
+            <p:nvPr/>
+          </p:nvPicPr>
+          <p:blipFill>
+            <a:blip r:embed="rId3"/>
+            <a:srcRect l="51264" t="16667" b="21795"/>
+            <a:stretch>
+              <a:fillRect/>
+            </a:stretch>
+          </p:blipFill>
+          <p:spPr bwMode="auto">
+            <a:xfrm>
+              <a:off x="1075779" y="1711907"/>
+              <a:ext cx="3972082" cy="4253451"/>
+            </a:xfrm>
+            <a:prstGeom prst="rect">
+              <a:avLst/>
+            </a:prstGeom>
             <a:noFill/>
-          </a:ln>
-        </p:spPr>
-        <p:style>
-          <a:lnRef idx="2">
-            <a:schemeClr val="accent1">
-              <a:shade val="50000"/>
-            </a:schemeClr>
-          </a:lnRef>
-          <a:fillRef idx="1">
-            <a:schemeClr val="accent1"/>
-          </a:fillRef>
-          <a:effectRef idx="0">
-            <a:schemeClr val="accent1"/>
-          </a:effectRef>
-          <a:fontRef idx="minor">
-            <a:schemeClr val="lt1"/>
-          </a:fontRef>
-        </p:style>
-        <p:txBody>
-          <a:bodyPr rtlCol="0" anchor="ctr"/>
-          <a:lstStyle/>
-          <a:p>
-            <a:pPr algn="ctr"/>
-            <a:endParaRPr lang="en-US"/>
-          </a:p>
-        </p:txBody>
-      </p:sp>
-      <p:sp>
-        <p:nvSpPr>
-          <p:cNvPr id="73" name="Rectangle 72">
-            <a:extLst>
-              <a:ext uri="{FF2B5EF4-FFF2-40B4-BE49-F238E27FC236}">
-                <a16:creationId xmlns:a16="http://schemas.microsoft.com/office/drawing/2014/main" id="{FE4D1DCD-EA53-4BD0-B394-601BEAFB0249}"/>
-              </a:ext>
-            </a:extLst>
-          </p:cNvPr>
-          <p:cNvSpPr/>
-          <p:nvPr/>
-        </p:nvSpPr>
-        <p:spPr>
-          <a:xfrm>
-            <a:off x="973134" y="1602384"/>
-            <a:ext cx="111972" cy="4253451"/>
-          </a:xfrm>
-          <a:prstGeom prst="rect">
-            <a:avLst/>
-          </a:prstGeom>
-          <a:solidFill>
-            <a:schemeClr val="bg1"/>
-          </a:solidFill>
-          <a:ln>
+            <a:ln w="9525">
+              <a:solidFill>
+                <a:schemeClr val="bg2"/>
+              </a:solidFill>
+              <a:miter lim="800000"/>
+              <a:headEnd/>
+              <a:tailEnd/>
+            </a:ln>
+          </p:spPr>
+        </p:pic>
+        <p:pic>
+          <p:nvPicPr>
+            <p:cNvPr id="65" name="Picture 64">
+              <a:extLst>
+                <a:ext uri="{FF2B5EF4-FFF2-40B4-BE49-F238E27FC236}">
+                  <a16:creationId xmlns:a16="http://schemas.microsoft.com/office/drawing/2014/main" id="{20ED4651-9E06-47FC-B515-56A4728B73A5}"/>
+                </a:ext>
+              </a:extLst>
+            </p:cNvPr>
+            <p:cNvPicPr>
+              <a:picLocks noChangeAspect="1"/>
+            </p:cNvPicPr>
+            <p:nvPr/>
+          </p:nvPicPr>
+          <p:blipFill>
+            <a:blip r:embed="rId4">
+              <a:extLst>
+                <a:ext uri="{28A0092B-C50C-407E-A947-70E740481C1C}">
+                  <a14:useLocalDpi xmlns:a14="http://schemas.microsoft.com/office/drawing/2010/main" val="0"/>
+                </a:ext>
+              </a:extLst>
+            </a:blip>
+            <a:stretch>
+              <a:fillRect/>
+            </a:stretch>
+          </p:blipFill>
+          <p:spPr>
+            <a:xfrm>
+              <a:off x="1075776" y="1144617"/>
+              <a:ext cx="3972081" cy="929298"/>
+            </a:xfrm>
+            <a:prstGeom prst="rect">
+              <a:avLst/>
+            </a:prstGeom>
+          </p:spPr>
+        </p:pic>
+        <p:sp>
+          <p:nvSpPr>
+            <p:cNvPr id="66" name="TextBox 65">
+              <a:extLst>
+                <a:ext uri="{FF2B5EF4-FFF2-40B4-BE49-F238E27FC236}">
+                  <a16:creationId xmlns:a16="http://schemas.microsoft.com/office/drawing/2014/main" id="{8BAEE089-9E3A-4970-90A9-9C819E44F091}"/>
+                </a:ext>
+              </a:extLst>
+            </p:cNvPr>
+            <p:cNvSpPr txBox="1"/>
+            <p:nvPr/>
+          </p:nvSpPr>
+          <p:spPr>
+            <a:xfrm>
+              <a:off x="1778822" y="1259716"/>
+              <a:ext cx="2254143" cy="646331"/>
+            </a:xfrm>
+            <a:prstGeom prst="rect">
+              <a:avLst/>
+            </a:prstGeom>
             <a:noFill/>
-          </a:ln>
-        </p:spPr>
-        <p:style>
-          <a:lnRef idx="2">
-            <a:schemeClr val="accent1">
-              <a:shade val="50000"/>
-            </a:schemeClr>
-          </a:lnRef>
-          <a:fillRef idx="1">
-            <a:schemeClr val="accent1"/>
-          </a:fillRef>
-          <a:effectRef idx="0">
-            <a:schemeClr val="accent1"/>
-          </a:effectRef>
-          <a:fontRef idx="minor">
-            <a:schemeClr val="lt1"/>
-          </a:fontRef>
-        </p:style>
-        <p:txBody>
-          <a:bodyPr rtlCol="0" anchor="ctr"/>
-          <a:lstStyle/>
-          <a:p>
-            <a:pPr algn="ctr"/>
-            <a:endParaRPr lang="en-US"/>
-          </a:p>
-        </p:txBody>
-      </p:sp>
+          </p:spPr>
+          <p:txBody>
+            <a:bodyPr wrap="none" rtlCol="0">
+              <a:spAutoFit/>
+            </a:bodyPr>
+            <a:lstStyle/>
+            <a:p>
+              <a:r>
+                <a:rPr lang="th-TH" sz="3600" dirty="0">
+                  <a:solidFill>
+                    <a:schemeClr val="bg1"/>
+                  </a:solidFill>
+                  <a:effectLst>
+                    <a:outerShdw blurRad="38100" dist="38100" dir="2700000" algn="tl">
+                      <a:srgbClr val="000000">
+                        <a:alpha val="43137"/>
+                      </a:srgbClr>
+                    </a:outerShdw>
+                  </a:effectLst>
+                  <a:latin typeface="Angsana New" panose="02020603050405020304" pitchFamily="18" charset="-34"/>
+                  <a:cs typeface="Angsana New" panose="02020603050405020304" pitchFamily="18" charset="-34"/>
+                </a:rPr>
+                <a:t>ปิรามิดประชากร</a:t>
+              </a:r>
+              <a:endParaRPr lang="en-US" sz="3600" dirty="0">
+                <a:solidFill>
+                  <a:schemeClr val="bg1"/>
+                </a:solidFill>
+                <a:effectLst>
+                  <a:outerShdw blurRad="38100" dist="38100" dir="2700000" algn="tl">
+                    <a:srgbClr val="000000">
+                      <a:alpha val="43137"/>
+                    </a:srgbClr>
+                  </a:outerShdw>
+                </a:effectLst>
+                <a:latin typeface="Angsana New" panose="02020603050405020304" pitchFamily="18" charset="-34"/>
+                <a:cs typeface="Angsana New" panose="02020603050405020304" pitchFamily="18" charset="-34"/>
+              </a:endParaRPr>
+            </a:p>
+          </p:txBody>
+        </p:sp>
+        <p:sp>
+          <p:nvSpPr>
+            <p:cNvPr id="68" name="Rectangle 67">
+              <a:extLst>
+                <a:ext uri="{FF2B5EF4-FFF2-40B4-BE49-F238E27FC236}">
+                  <a16:creationId xmlns:a16="http://schemas.microsoft.com/office/drawing/2014/main" id="{AF2E411E-E896-4EF4-9799-CAF8CC724A0B}"/>
+                </a:ext>
+              </a:extLst>
+            </p:cNvPr>
+            <p:cNvSpPr/>
+            <p:nvPr/>
+          </p:nvSpPr>
+          <p:spPr>
+            <a:xfrm>
+              <a:off x="1057115" y="5932932"/>
+              <a:ext cx="3972082" cy="307328"/>
+            </a:xfrm>
+            <a:prstGeom prst="rect">
+              <a:avLst/>
+            </a:prstGeom>
+            <a:solidFill>
+              <a:srgbClr val="FF0000"/>
+            </a:solidFill>
+            <a:ln>
+              <a:noFill/>
+            </a:ln>
+          </p:spPr>
+          <p:style>
+            <a:lnRef idx="2">
+              <a:schemeClr val="accent1">
+                <a:shade val="50000"/>
+              </a:schemeClr>
+            </a:lnRef>
+            <a:fillRef idx="1">
+              <a:schemeClr val="accent1"/>
+            </a:fillRef>
+            <a:effectRef idx="0">
+              <a:schemeClr val="accent1"/>
+            </a:effectRef>
+            <a:fontRef idx="minor">
+              <a:schemeClr val="lt1"/>
+            </a:fontRef>
+          </p:style>
+          <p:txBody>
+            <a:bodyPr rtlCol="0" anchor="ctr"/>
+            <a:lstStyle/>
+            <a:p>
+              <a:pPr algn="ctr"/>
+              <a:r>
+                <a:rPr lang="th-TH" b="1" dirty="0">
+                  <a:solidFill>
+                    <a:schemeClr val="bg1"/>
+                  </a:solidFill>
+                  <a:latin typeface="Tahoma" pitchFamily="34" charset="0"/>
+                  <a:ea typeface="Tahoma" pitchFamily="34" charset="0"/>
+                  <a:cs typeface="+mj-cs"/>
+                </a:rPr>
+                <a:t>ประชากร    ชาย </a:t>
+              </a:r>
+              <a:r>
+                <a:rPr lang="en-US" b="1" dirty="0">
+                  <a:solidFill>
+                    <a:schemeClr val="bg1"/>
+                  </a:solidFill>
+                  <a:latin typeface="Angsana New" panose="02020603050405020304" pitchFamily="18" charset="-34"/>
+                  <a:ea typeface="Tahoma" pitchFamily="34" charset="0"/>
+                  <a:cs typeface="Angsana New" panose="02020603050405020304" pitchFamily="18" charset="-34"/>
+                </a:rPr>
+                <a:t>252,415</a:t>
+              </a:r>
+              <a:r>
+                <a:rPr lang="en-US" b="1" dirty="0">
+                  <a:solidFill>
+                    <a:schemeClr val="bg1"/>
+                  </a:solidFill>
+                  <a:latin typeface="Tahoma" pitchFamily="34" charset="0"/>
+                  <a:ea typeface="Tahoma" pitchFamily="34" charset="0"/>
+                  <a:cs typeface="+mj-cs"/>
+                </a:rPr>
+                <a:t> </a:t>
+              </a:r>
+              <a:r>
+                <a:rPr lang="th-TH" b="1" dirty="0">
+                  <a:solidFill>
+                    <a:schemeClr val="bg1"/>
+                  </a:solidFill>
+                  <a:latin typeface="Tahoma" pitchFamily="34" charset="0"/>
+                  <a:ea typeface="Tahoma" pitchFamily="34" charset="0"/>
+                  <a:cs typeface="+mj-cs"/>
+                </a:rPr>
+                <a:t>คน  หญิง </a:t>
+              </a:r>
+              <a:r>
+                <a:rPr lang="en-US" b="1" dirty="0">
+                  <a:solidFill>
+                    <a:schemeClr val="bg1"/>
+                  </a:solidFill>
+                  <a:latin typeface="Angsana New" panose="02020603050405020304" pitchFamily="18" charset="-34"/>
+                  <a:ea typeface="Tahoma" pitchFamily="34" charset="0"/>
+                  <a:cs typeface="Angsana New" panose="02020603050405020304" pitchFamily="18" charset="-34"/>
+                </a:rPr>
+                <a:t>257,235</a:t>
+              </a:r>
+              <a:r>
+                <a:rPr lang="th-TH" b="1" dirty="0">
+                  <a:solidFill>
+                    <a:schemeClr val="bg1"/>
+                  </a:solidFill>
+                  <a:latin typeface="Tahoma" pitchFamily="34" charset="0"/>
+                  <a:ea typeface="Tahoma" pitchFamily="34" charset="0"/>
+                  <a:cs typeface="+mj-cs"/>
+                </a:rPr>
+                <a:t> คน  </a:t>
+              </a:r>
+            </a:p>
+          </p:txBody>
+        </p:sp>
+        <p:sp>
+          <p:nvSpPr>
+            <p:cNvPr id="72" name="Rectangle 71">
+              <a:extLst>
+                <a:ext uri="{FF2B5EF4-FFF2-40B4-BE49-F238E27FC236}">
+                  <a16:creationId xmlns:a16="http://schemas.microsoft.com/office/drawing/2014/main" id="{6E9B830C-CDBB-429A-A816-207287CC7458}"/>
+                </a:ext>
+              </a:extLst>
+            </p:cNvPr>
+            <p:cNvSpPr/>
+            <p:nvPr/>
+          </p:nvSpPr>
+          <p:spPr>
+            <a:xfrm>
+              <a:off x="5019864" y="1721238"/>
+              <a:ext cx="111972" cy="4253451"/>
+            </a:xfrm>
+            <a:prstGeom prst="rect">
+              <a:avLst/>
+            </a:prstGeom>
+            <a:solidFill>
+              <a:schemeClr val="bg1"/>
+            </a:solidFill>
+            <a:ln>
+              <a:noFill/>
+            </a:ln>
+          </p:spPr>
+          <p:style>
+            <a:lnRef idx="2">
+              <a:schemeClr val="accent1">
+                <a:shade val="50000"/>
+              </a:schemeClr>
+            </a:lnRef>
+            <a:fillRef idx="1">
+              <a:schemeClr val="accent1"/>
+            </a:fillRef>
+            <a:effectRef idx="0">
+              <a:schemeClr val="accent1"/>
+            </a:effectRef>
+            <a:fontRef idx="minor">
+              <a:schemeClr val="lt1"/>
+            </a:fontRef>
+          </p:style>
+          <p:txBody>
+            <a:bodyPr rtlCol="0" anchor="ctr"/>
+            <a:lstStyle/>
+            <a:p>
+              <a:pPr algn="ctr"/>
+              <a:endParaRPr lang="en-US"/>
+            </a:p>
+          </p:txBody>
+        </p:sp>
+        <p:sp>
+          <p:nvSpPr>
+            <p:cNvPr id="73" name="Rectangle 72">
+              <a:extLst>
+                <a:ext uri="{FF2B5EF4-FFF2-40B4-BE49-F238E27FC236}">
+                  <a16:creationId xmlns:a16="http://schemas.microsoft.com/office/drawing/2014/main" id="{FE4D1DCD-EA53-4BD0-B394-601BEAFB0249}"/>
+                </a:ext>
+              </a:extLst>
+            </p:cNvPr>
+            <p:cNvSpPr/>
+            <p:nvPr/>
+          </p:nvSpPr>
+          <p:spPr>
+            <a:xfrm>
+              <a:off x="973134" y="1602384"/>
+              <a:ext cx="111972" cy="4253451"/>
+            </a:xfrm>
+            <a:prstGeom prst="rect">
+              <a:avLst/>
+            </a:prstGeom>
+            <a:solidFill>
+              <a:schemeClr val="bg1"/>
+            </a:solidFill>
+            <a:ln>
+              <a:noFill/>
+            </a:ln>
+          </p:spPr>
+          <p:style>
+            <a:lnRef idx="2">
+              <a:schemeClr val="accent1">
+                <a:shade val="50000"/>
+              </a:schemeClr>
+            </a:lnRef>
+            <a:fillRef idx="1">
+              <a:schemeClr val="accent1"/>
+            </a:fillRef>
+            <a:effectRef idx="0">
+              <a:schemeClr val="accent1"/>
+            </a:effectRef>
+            <a:fontRef idx="minor">
+              <a:schemeClr val="lt1"/>
+            </a:fontRef>
+          </p:style>
+          <p:txBody>
+            <a:bodyPr rtlCol="0" anchor="ctr"/>
+            <a:lstStyle/>
+            <a:p>
+              <a:pPr algn="ctr"/>
+              <a:endParaRPr lang="en-US"/>
+            </a:p>
+          </p:txBody>
+        </p:sp>
+      </p:grpSp>
     </p:spTree>
     <p:extLst>
       <p:ext uri="{BB962C8B-B14F-4D97-AF65-F5344CB8AC3E}">
@@ -6291,51 +6325,12 @@
           <a:chExt cx="0" cy="0"/>
         </a:xfrm>
       </p:grpSpPr>
-      <p:pic>
-        <p:nvPicPr>
-          <p:cNvPr id="10" name="Picture 2">
-            <a:extLst>
-              <a:ext uri="{FF2B5EF4-FFF2-40B4-BE49-F238E27FC236}">
-                <a16:creationId xmlns:a16="http://schemas.microsoft.com/office/drawing/2014/main" id="{596ABE56-2445-4747-B505-3083EA4B5762}"/>
-              </a:ext>
-            </a:extLst>
-          </p:cNvPr>
-          <p:cNvPicPr>
-            <a:picLocks noChangeAspect="1" noChangeArrowheads="1"/>
-          </p:cNvPicPr>
-          <p:nvPr/>
-        </p:nvPicPr>
-        <p:blipFill>
-          <a:blip r:embed="rId2"/>
-          <a:srcRect/>
-          <a:stretch>
-            <a:fillRect/>
-          </a:stretch>
-        </p:blipFill>
-        <p:spPr bwMode="auto">
-          <a:xfrm>
-            <a:off x="7186494" y="2303509"/>
-            <a:ext cx="3825904" cy="4207491"/>
-          </a:xfrm>
-          <a:prstGeom prst="rect">
-            <a:avLst/>
-          </a:prstGeom>
-          <a:noFill/>
-          <a:ln w="9525">
-            <a:noFill/>
-            <a:miter lim="800000"/>
-            <a:headEnd/>
-            <a:tailEnd/>
-          </a:ln>
-          <a:effectLst/>
-        </p:spPr>
-      </p:pic>
       <p:sp>
         <p:nvSpPr>
-          <p:cNvPr id="3" name="Subtitle 2">
-            <a:extLst>
-              <a:ext uri="{FF2B5EF4-FFF2-40B4-BE49-F238E27FC236}">
-                <a16:creationId xmlns:a16="http://schemas.microsoft.com/office/drawing/2014/main" id="{D0DE04F7-687B-45F3-9A2F-CA86B73A0B06}"/>
+          <p:cNvPr id="13" name="Subtitle 2">
+            <a:extLst>
+              <a:ext uri="{FF2B5EF4-FFF2-40B4-BE49-F238E27FC236}">
+                <a16:creationId xmlns:a16="http://schemas.microsoft.com/office/drawing/2014/main" id="{E89899BE-2D44-4BB4-BC53-ABF471983C71}"/>
               </a:ext>
             </a:extLst>
           </p:cNvPr>
@@ -6355,13 +6350,13 @@
           <a:gradFill>
             <a:gsLst>
               <a:gs pos="0">
-                <a:srgbClr val="00B050"/>
+                <a:srgbClr val="92FF70"/>
               </a:gs>
               <a:gs pos="50000">
-                <a:srgbClr val="92D050"/>
+                <a:srgbClr val="C2FFB0"/>
               </a:gs>
               <a:gs pos="100000">
-                <a:srgbClr val="00B050"/>
+                <a:srgbClr val="93FF73"/>
               </a:gs>
             </a:gsLst>
           </a:gradFill>
@@ -6592,6 +6587,45 @@
       </p:sp>
       <p:pic>
         <p:nvPicPr>
+          <p:cNvPr id="10" name="Picture 2">
+            <a:extLst>
+              <a:ext uri="{FF2B5EF4-FFF2-40B4-BE49-F238E27FC236}">
+                <a16:creationId xmlns:a16="http://schemas.microsoft.com/office/drawing/2014/main" id="{596ABE56-2445-4747-B505-3083EA4B5762}"/>
+              </a:ext>
+            </a:extLst>
+          </p:cNvPr>
+          <p:cNvPicPr>
+            <a:picLocks noChangeAspect="1" noChangeArrowheads="1"/>
+          </p:cNvPicPr>
+          <p:nvPr/>
+        </p:nvPicPr>
+        <p:blipFill>
+          <a:blip r:embed="rId2"/>
+          <a:srcRect/>
+          <a:stretch>
+            <a:fillRect/>
+          </a:stretch>
+        </p:blipFill>
+        <p:spPr bwMode="auto">
+          <a:xfrm>
+            <a:off x="7186494" y="2303509"/>
+            <a:ext cx="3825904" cy="4207491"/>
+          </a:xfrm>
+          <a:prstGeom prst="rect">
+            <a:avLst/>
+          </a:prstGeom>
+          <a:noFill/>
+          <a:ln w="9525">
+            <a:noFill/>
+            <a:miter lim="800000"/>
+            <a:headEnd/>
+            <a:tailEnd/>
+          </a:ln>
+          <a:effectLst/>
+        </p:spPr>
+      </p:pic>
+      <p:pic>
+        <p:nvPicPr>
           <p:cNvPr id="4" name="Picture 3">
             <a:extLst>
               <a:ext uri="{FF2B5EF4-FFF2-40B4-BE49-F238E27FC236}">
@@ -6643,7 +6677,10 @@
             <a:r>
               <a:rPr lang="th-TH" b="1" dirty="0">
                 <a:solidFill>
-                  <a:schemeClr val="bg1"/>
+                  <a:schemeClr val="tx1">
+                    <a:lumMod val="95000"/>
+                    <a:lumOff val="5000"/>
+                  </a:schemeClr>
                 </a:solidFill>
                 <a:effectLst>
                   <a:outerShdw blurRad="38100" dist="38100" dir="2700000" algn="tl">
@@ -6654,85 +6691,6 @@
                 </a:effectLst>
               </a:rPr>
               <a:t>สถานะสุขภาพ</a:t>
-            </a:r>
-          </a:p>
-        </p:txBody>
-      </p:sp>
-      <p:sp>
-        <p:nvSpPr>
-          <p:cNvPr id="6" name="TextBox 5">
-            <a:extLst>
-              <a:ext uri="{FF2B5EF4-FFF2-40B4-BE49-F238E27FC236}">
-                <a16:creationId xmlns:a16="http://schemas.microsoft.com/office/drawing/2014/main" id="{D0E574B0-0E6E-4B55-AB64-29BF9A1E6422}"/>
-              </a:ext>
-            </a:extLst>
-          </p:cNvPr>
-          <p:cNvSpPr txBox="1"/>
-          <p:nvPr/>
-        </p:nvSpPr>
-        <p:spPr>
-          <a:xfrm>
-            <a:off x="0" y="6457890"/>
-            <a:ext cx="12200192" cy="400110"/>
-          </a:xfrm>
-          <a:prstGeom prst="rect">
-            <a:avLst/>
-          </a:prstGeom>
-          <a:gradFill>
-            <a:gsLst>
-              <a:gs pos="0">
-                <a:srgbClr val="00B050"/>
-              </a:gs>
-              <a:gs pos="50000">
-                <a:srgbClr val="92D050"/>
-              </a:gs>
-              <a:gs pos="100000">
-                <a:srgbClr val="00B050"/>
-              </a:gs>
-            </a:gsLst>
-            <a:lin ang="5400000" scaled="0"/>
-          </a:gradFill>
-        </p:spPr>
-        <p:txBody>
-          <a:bodyPr wrap="square" rtlCol="0">
-            <a:spAutoFit/>
-          </a:bodyPr>
-          <a:lstStyle/>
-          <a:p>
-            <a:pPr algn="ctr"/>
-            <a:r>
-              <a:rPr lang="th-TH" sz="2000" dirty="0">
-                <a:solidFill>
-                  <a:schemeClr val="bg1"/>
-                </a:solidFill>
-                <a:effectLst>
-                  <a:outerShdw blurRad="38100" dist="38100" dir="2700000" algn="tl">
-                    <a:srgbClr val="000000">
-                      <a:alpha val="43137"/>
-                    </a:srgbClr>
-                  </a:outerShdw>
-                </a:effectLst>
-                <a:latin typeface="CordiaUPC" pitchFamily="34" charset="-34"/>
-                <a:cs typeface="CordiaUPC" pitchFamily="34" charset="-34"/>
-              </a:rPr>
-              <a:t>     </a:t>
-            </a:r>
-            <a:r>
-              <a:rPr lang="th-TH" sz="2000" b="1" dirty="0">
-                <a:solidFill>
-                  <a:schemeClr val="bg1"/>
-                </a:solidFill>
-                <a:effectLst>
-                  <a:outerShdw blurRad="38100" dist="38100" dir="2700000" algn="tl">
-                    <a:srgbClr val="000000">
-                      <a:alpha val="43137"/>
-                    </a:srgbClr>
-                  </a:outerShdw>
-                </a:effectLst>
-                <a:latin typeface="CordiaUPC" pitchFamily="34" charset="-34"/>
-                <a:cs typeface="+mj-cs"/>
-              </a:rPr>
-              <a:t>สำนักงานสาธารณสุขจังหวัดชุมพร      วิสัยทัศน์       “องค์กรหลักด้านสุขภาพ ที่รวมพลังสังคม สู่ชุมพรเมืองสุขภาวะ”</a:t>
             </a:r>
           </a:p>
         </p:txBody>
@@ -7114,10 +7072,425 @@
           </a:p>
         </p:txBody>
       </p:sp>
+      <p:sp>
+        <p:nvSpPr>
+          <p:cNvPr id="14" name="Subtitle 2">
+            <a:extLst>
+              <a:ext uri="{FF2B5EF4-FFF2-40B4-BE49-F238E27FC236}">
+                <a16:creationId xmlns:a16="http://schemas.microsoft.com/office/drawing/2014/main" id="{636A7FD1-1DCA-4181-9536-50C0ADFCDAF1}"/>
+              </a:ext>
+            </a:extLst>
+          </p:cNvPr>
+          <p:cNvSpPr txBox="1">
+            <a:spLocks/>
+          </p:cNvSpPr>
+          <p:nvPr/>
+        </p:nvSpPr>
+        <p:spPr>
+          <a:xfrm>
+            <a:off x="4047" y="6557957"/>
+            <a:ext cx="12200192" cy="302115"/>
+          </a:xfrm>
+          <a:prstGeom prst="rect">
+            <a:avLst/>
+          </a:prstGeom>
+          <a:gradFill>
+            <a:gsLst>
+              <a:gs pos="0">
+                <a:srgbClr val="92FF70"/>
+              </a:gs>
+              <a:gs pos="50000">
+                <a:srgbClr val="C2FFB0"/>
+              </a:gs>
+              <a:gs pos="100000">
+                <a:srgbClr val="93FF73"/>
+              </a:gs>
+            </a:gsLst>
+          </a:gradFill>
+          <a:ln>
+            <a:noFill/>
+          </a:ln>
+        </p:spPr>
+        <p:style>
+          <a:lnRef idx="1">
+            <a:schemeClr val="accent6"/>
+          </a:lnRef>
+          <a:fillRef idx="2">
+            <a:schemeClr val="accent6"/>
+          </a:fillRef>
+          <a:effectRef idx="1">
+            <a:schemeClr val="accent6"/>
+          </a:effectRef>
+          <a:fontRef idx="minor">
+            <a:schemeClr val="dk1"/>
+          </a:fontRef>
+        </p:style>
+        <p:txBody>
+          <a:bodyPr vert="horz" lIns="91440" tIns="91440" rIns="91440" bIns="91440" rtlCol="0" anchor="ctr">
+            <a:noAutofit/>
+          </a:bodyPr>
+          <a:lstStyle>
+            <a:lvl1pPr marL="228600" indent="-228600" algn="l" defTabSz="914400" rtl="0" eaLnBrk="1" latinLnBrk="0" hangingPunct="1">
+              <a:lnSpc>
+                <a:spcPct val="120000"/>
+              </a:lnSpc>
+              <a:spcBef>
+                <a:spcPts val="1000"/>
+              </a:spcBef>
+              <a:buSzPct val="125000"/>
+              <a:buFont typeface="Arial" panose="020B0604020202020204" pitchFamily="34" charset="0"/>
+              <a:buChar char="•"/>
+              <a:defRPr sz="2400" kern="1200">
+                <a:solidFill>
+                  <a:schemeClr val="tx1"/>
+                </a:solidFill>
+                <a:latin typeface="+mn-lt"/>
+                <a:ea typeface="+mn-ea"/>
+                <a:cs typeface="+mn-cs"/>
+              </a:defRPr>
+            </a:lvl1pPr>
+            <a:lvl2pPr marL="685800" indent="-228600" algn="l" defTabSz="914400" rtl="0" eaLnBrk="1" latinLnBrk="0" hangingPunct="1">
+              <a:lnSpc>
+                <a:spcPct val="120000"/>
+              </a:lnSpc>
+              <a:spcBef>
+                <a:spcPts val="500"/>
+              </a:spcBef>
+              <a:buSzPct val="125000"/>
+              <a:buFont typeface="Arial" panose="020B0604020202020204" pitchFamily="34" charset="0"/>
+              <a:buChar char="•"/>
+              <a:defRPr sz="2000" kern="1200">
+                <a:solidFill>
+                  <a:schemeClr val="tx1"/>
+                </a:solidFill>
+                <a:latin typeface="+mn-lt"/>
+                <a:ea typeface="+mn-ea"/>
+                <a:cs typeface="+mn-cs"/>
+              </a:defRPr>
+            </a:lvl2pPr>
+            <a:lvl3pPr marL="1143000" indent="-228600" algn="l" defTabSz="914400" rtl="0" eaLnBrk="1" latinLnBrk="0" hangingPunct="1">
+              <a:lnSpc>
+                <a:spcPct val="120000"/>
+              </a:lnSpc>
+              <a:spcBef>
+                <a:spcPts val="500"/>
+              </a:spcBef>
+              <a:buSzPct val="125000"/>
+              <a:buFont typeface="Arial" panose="020B0604020202020204" pitchFamily="34" charset="0"/>
+              <a:buChar char="•"/>
+              <a:defRPr sz="1800" kern="1200">
+                <a:solidFill>
+                  <a:schemeClr val="tx1"/>
+                </a:solidFill>
+                <a:latin typeface="+mn-lt"/>
+                <a:ea typeface="+mn-ea"/>
+                <a:cs typeface="+mn-cs"/>
+              </a:defRPr>
+            </a:lvl3pPr>
+            <a:lvl4pPr marL="1600200" indent="-228600" algn="l" defTabSz="914400" rtl="0" eaLnBrk="1" latinLnBrk="0" hangingPunct="1">
+              <a:lnSpc>
+                <a:spcPct val="120000"/>
+              </a:lnSpc>
+              <a:spcBef>
+                <a:spcPts val="500"/>
+              </a:spcBef>
+              <a:buSzPct val="125000"/>
+              <a:buFont typeface="Arial" panose="020B0604020202020204" pitchFamily="34" charset="0"/>
+              <a:buChar char="•"/>
+              <a:defRPr sz="1600" kern="1200">
+                <a:solidFill>
+                  <a:schemeClr val="tx1"/>
+                </a:solidFill>
+                <a:latin typeface="+mn-lt"/>
+                <a:ea typeface="+mn-ea"/>
+                <a:cs typeface="+mn-cs"/>
+              </a:defRPr>
+            </a:lvl4pPr>
+            <a:lvl5pPr marL="2057400" indent="-228600" algn="l" defTabSz="914400" rtl="0" eaLnBrk="1" latinLnBrk="0" hangingPunct="1">
+              <a:lnSpc>
+                <a:spcPct val="120000"/>
+              </a:lnSpc>
+              <a:spcBef>
+                <a:spcPts val="500"/>
+              </a:spcBef>
+              <a:buSzPct val="125000"/>
+              <a:buFont typeface="Arial" panose="020B0604020202020204" pitchFamily="34" charset="0"/>
+              <a:buChar char="•"/>
+              <a:defRPr sz="1600" kern="1200">
+                <a:solidFill>
+                  <a:schemeClr val="tx1"/>
+                </a:solidFill>
+                <a:latin typeface="+mn-lt"/>
+                <a:ea typeface="+mn-ea"/>
+                <a:cs typeface="+mn-cs"/>
+              </a:defRPr>
+            </a:lvl5pPr>
+            <a:lvl6pPr marL="2514600" indent="-228600" algn="l" defTabSz="914400" rtl="0" eaLnBrk="1" latinLnBrk="0" hangingPunct="1">
+              <a:lnSpc>
+                <a:spcPct val="120000"/>
+              </a:lnSpc>
+              <a:spcBef>
+                <a:spcPts val="500"/>
+              </a:spcBef>
+              <a:buSzPct val="125000"/>
+              <a:buFont typeface="Arial" panose="020B0604020202020204" pitchFamily="34" charset="0"/>
+              <a:buChar char="•"/>
+              <a:defRPr sz="1400" kern="1200">
+                <a:solidFill>
+                  <a:schemeClr val="tx1"/>
+                </a:solidFill>
+                <a:latin typeface="+mn-lt"/>
+                <a:ea typeface="+mn-ea"/>
+                <a:cs typeface="+mn-cs"/>
+              </a:defRPr>
+            </a:lvl6pPr>
+            <a:lvl7pPr marL="2971800" indent="-228600" algn="l" defTabSz="914400" rtl="0" eaLnBrk="1" latinLnBrk="0" hangingPunct="1">
+              <a:lnSpc>
+                <a:spcPct val="120000"/>
+              </a:lnSpc>
+              <a:spcBef>
+                <a:spcPts val="500"/>
+              </a:spcBef>
+              <a:buSzPct val="125000"/>
+              <a:buFont typeface="Arial" panose="020B0604020202020204" pitchFamily="34" charset="0"/>
+              <a:buChar char="•"/>
+              <a:defRPr sz="1400" kern="1200">
+                <a:solidFill>
+                  <a:schemeClr val="tx1"/>
+                </a:solidFill>
+                <a:latin typeface="+mn-lt"/>
+                <a:ea typeface="+mn-ea"/>
+                <a:cs typeface="+mn-cs"/>
+              </a:defRPr>
+            </a:lvl7pPr>
+            <a:lvl8pPr marL="3429000" indent="-228600" algn="l" defTabSz="914400" rtl="0" eaLnBrk="1" latinLnBrk="0" hangingPunct="1">
+              <a:lnSpc>
+                <a:spcPct val="120000"/>
+              </a:lnSpc>
+              <a:spcBef>
+                <a:spcPts val="500"/>
+              </a:spcBef>
+              <a:buSzPct val="125000"/>
+              <a:buFont typeface="Arial" panose="020B0604020202020204" pitchFamily="34" charset="0"/>
+              <a:buChar char="•"/>
+              <a:defRPr sz="1400" kern="1200">
+                <a:solidFill>
+                  <a:schemeClr val="tx1"/>
+                </a:solidFill>
+                <a:latin typeface="+mn-lt"/>
+                <a:ea typeface="+mn-ea"/>
+                <a:cs typeface="+mn-cs"/>
+              </a:defRPr>
+            </a:lvl8pPr>
+            <a:lvl9pPr marL="3886200" indent="-228600" algn="l" defTabSz="914400" rtl="0" eaLnBrk="1" latinLnBrk="0" hangingPunct="1">
+              <a:lnSpc>
+                <a:spcPct val="120000"/>
+              </a:lnSpc>
+              <a:spcBef>
+                <a:spcPts val="500"/>
+              </a:spcBef>
+              <a:buSzPct val="125000"/>
+              <a:buFont typeface="Arial" panose="020B0604020202020204" pitchFamily="34" charset="0"/>
+              <a:buChar char="•"/>
+              <a:defRPr sz="1400" kern="1200">
+                <a:solidFill>
+                  <a:schemeClr val="tx1"/>
+                </a:solidFill>
+                <a:latin typeface="+mn-lt"/>
+                <a:ea typeface="+mn-ea"/>
+                <a:cs typeface="+mn-cs"/>
+              </a:defRPr>
+            </a:lvl9pPr>
+          </a:lstStyle>
+          <a:p>
+            <a:pPr marL="0" indent="0" algn="ctr">
+              <a:buNone/>
+            </a:pPr>
+            <a:r>
+              <a:rPr lang="th-TH" b="1" dirty="0">
+                <a:solidFill>
+                  <a:schemeClr val="tx1">
+                    <a:lumMod val="95000"/>
+                    <a:lumOff val="5000"/>
+                  </a:schemeClr>
+                </a:solidFill>
+                <a:effectLst>
+                  <a:outerShdw blurRad="38100" dist="38100" dir="2700000" algn="tl">
+                    <a:srgbClr val="000000">
+                      <a:alpha val="43137"/>
+                    </a:srgbClr>
+                  </a:outerShdw>
+                </a:effectLst>
+                <a:latin typeface="Angsana New" panose="02020603050405020304" pitchFamily="18" charset="-34"/>
+                <a:cs typeface="Angsana New" panose="02020603050405020304" pitchFamily="18" charset="-34"/>
+              </a:rPr>
+              <a:t>สำนักงานสาธารณสุขจังหวัดชุมพร      วิสัยทัศน์       “องค์กรหลักด้านสุขภาพ ที่รวมพลังสังคม สู่ชุมพรเมืองสุขภาวะ”</a:t>
+            </a:r>
+            <a:endParaRPr lang="en-US" b="1" dirty="0">
+              <a:ln>
+                <a:solidFill>
+                  <a:schemeClr val="bg1"/>
+                </a:solidFill>
+              </a:ln>
+              <a:solidFill>
+                <a:schemeClr val="tx1">
+                  <a:lumMod val="95000"/>
+                  <a:lumOff val="5000"/>
+                </a:schemeClr>
+              </a:solidFill>
+              <a:effectLst>
+                <a:glow rad="63500">
+                  <a:srgbClr val="002060">
+                    <a:alpha val="40000"/>
+                  </a:srgbClr>
+                </a:glow>
+                <a:outerShdw blurRad="38100" dist="38100" dir="2700000" algn="tl">
+                  <a:srgbClr val="000000">
+                    <a:alpha val="43137"/>
+                  </a:srgbClr>
+                </a:outerShdw>
+              </a:effectLst>
+              <a:latin typeface="Angsana New" panose="02020603050405020304" pitchFamily="18" charset="-34"/>
+              <a:cs typeface="Angsana New" panose="02020603050405020304" pitchFamily="18" charset="-34"/>
+            </a:endParaRPr>
+          </a:p>
+        </p:txBody>
+      </p:sp>
     </p:spTree>
     <p:extLst>
       <p:ext uri="{BB962C8B-B14F-4D97-AF65-F5344CB8AC3E}">
         <p14:creationId xmlns:p14="http://schemas.microsoft.com/office/powerpoint/2010/main" val="1219877645"/>
+      </p:ext>
+    </p:extLst>
+  </p:cSld>
+  <p:clrMapOvr>
+    <a:masterClrMapping/>
+  </p:clrMapOvr>
+</p:sld>
+</file>
+
+<file path=ppt/slides/slide3.xml><?xml version="1.0" encoding="utf-8"?>
+<p:sld xmlns:a="http://schemas.openxmlformats.org/drawingml/2006/main" xmlns:r="http://schemas.openxmlformats.org/officeDocument/2006/relationships" xmlns:p="http://schemas.openxmlformats.org/presentationml/2006/main">
+  <p:cSld>
+    <p:spTree>
+      <p:nvGrpSpPr>
+        <p:cNvPr id="1" name=""/>
+        <p:cNvGrpSpPr/>
+        <p:nvPr/>
+      </p:nvGrpSpPr>
+      <p:grpSpPr>
+        <a:xfrm>
+          <a:off x="0" y="0"/>
+          <a:ext cx="0" cy="0"/>
+          <a:chOff x="0" y="0"/>
+          <a:chExt cx="0" cy="0"/>
+        </a:xfrm>
+      </p:grpSpPr>
+      <p:pic>
+        <p:nvPicPr>
+          <p:cNvPr id="5" name="Content Placeholder 4">
+            <a:extLst>
+              <a:ext uri="{FF2B5EF4-FFF2-40B4-BE49-F238E27FC236}">
+                <a16:creationId xmlns:a16="http://schemas.microsoft.com/office/drawing/2014/main" id="{2731FDE9-AEF9-4339-B7C5-4403AC123422}"/>
+              </a:ext>
+            </a:extLst>
+          </p:cNvPr>
+          <p:cNvPicPr>
+            <a:picLocks noGrp="1" noChangeAspect="1"/>
+          </p:cNvPicPr>
+          <p:nvPr>
+            <p:ph idx="1"/>
+          </p:nvPr>
+        </p:nvPicPr>
+        <p:blipFill>
+          <a:blip r:embed="rId2">
+            <a:extLst>
+              <a:ext uri="{28A0092B-C50C-407E-A947-70E740481C1C}">
+                <a14:useLocalDpi xmlns:a14="http://schemas.microsoft.com/office/drawing/2010/main" val="0"/>
+              </a:ext>
+            </a:extLst>
+          </a:blip>
+          <a:stretch>
+            <a:fillRect/>
+          </a:stretch>
+        </p:blipFill>
+        <p:spPr>
+          <a:xfrm>
+            <a:off x="1486113" y="0"/>
+            <a:ext cx="9127622" cy="6857999"/>
+          </a:xfrm>
+        </p:spPr>
+      </p:pic>
+    </p:spTree>
+    <p:extLst>
+      <p:ext uri="{BB962C8B-B14F-4D97-AF65-F5344CB8AC3E}">
+        <p14:creationId xmlns:p14="http://schemas.microsoft.com/office/powerpoint/2010/main" val="1774543316"/>
+      </p:ext>
+    </p:extLst>
+  </p:cSld>
+  <p:clrMapOvr>
+    <a:masterClrMapping/>
+  </p:clrMapOvr>
+</p:sld>
+</file>
+
+<file path=ppt/slides/slide4.xml><?xml version="1.0" encoding="utf-8"?>
+<p:sld xmlns:a="http://schemas.openxmlformats.org/drawingml/2006/main" xmlns:r="http://schemas.openxmlformats.org/officeDocument/2006/relationships" xmlns:p="http://schemas.openxmlformats.org/presentationml/2006/main">
+  <p:cSld>
+    <p:spTree>
+      <p:nvGrpSpPr>
+        <p:cNvPr id="1" name=""/>
+        <p:cNvGrpSpPr/>
+        <p:nvPr/>
+      </p:nvGrpSpPr>
+      <p:grpSpPr>
+        <a:xfrm>
+          <a:off x="0" y="0"/>
+          <a:ext cx="0" cy="0"/>
+          <a:chOff x="0" y="0"/>
+          <a:chExt cx="0" cy="0"/>
+        </a:xfrm>
+      </p:grpSpPr>
+      <p:pic>
+        <p:nvPicPr>
+          <p:cNvPr id="5" name="Picture 4">
+            <a:extLst>
+              <a:ext uri="{FF2B5EF4-FFF2-40B4-BE49-F238E27FC236}">
+                <a16:creationId xmlns:a16="http://schemas.microsoft.com/office/drawing/2014/main" id="{EC0F7BAF-A846-4EDF-8E49-57F8D57C3071}"/>
+              </a:ext>
+            </a:extLst>
+          </p:cNvPr>
+          <p:cNvPicPr>
+            <a:picLocks noChangeAspect="1"/>
+          </p:cNvPicPr>
+          <p:nvPr/>
+        </p:nvPicPr>
+        <p:blipFill>
+          <a:blip r:embed="rId2">
+            <a:extLst>
+              <a:ext uri="{28A0092B-C50C-407E-A947-70E740481C1C}">
+                <a14:useLocalDpi xmlns:a14="http://schemas.microsoft.com/office/drawing/2010/main" val="0"/>
+              </a:ext>
+            </a:extLst>
+          </a:blip>
+          <a:stretch>
+            <a:fillRect/>
+          </a:stretch>
+        </p:blipFill>
+        <p:spPr>
+          <a:xfrm>
+            <a:off x="1661493" y="99548"/>
+            <a:ext cx="8869013" cy="6658904"/>
+          </a:xfrm>
+          <a:prstGeom prst="rect">
+            <a:avLst/>
+          </a:prstGeom>
+        </p:spPr>
+      </p:pic>
+    </p:spTree>
+    <p:extLst>
+      <p:ext uri="{BB962C8B-B14F-4D97-AF65-F5344CB8AC3E}">
+        <p14:creationId xmlns:p14="http://schemas.microsoft.com/office/powerpoint/2010/main" val="654607459"/>
       </p:ext>
     </p:extLst>
   </p:cSld>
